--- a/Semester_4/simplified_English/Regeln_Malte_Hermann.pptx
+++ b/Semester_4/simplified_English/Regeln_Malte_Hermann.pptx
@@ -5,15 +5,20 @@
     <p:sldMasterId id="2147483648" r:id="rId1"/>
   </p:sldMasterIdLst>
   <p:sldIdLst>
-    <p:sldId id="256" r:id="rId2"/>
-    <p:sldId id="257" r:id="rId3"/>
-    <p:sldId id="258" r:id="rId4"/>
-    <p:sldId id="259" r:id="rId5"/>
-    <p:sldId id="260" r:id="rId6"/>
-    <p:sldId id="261" r:id="rId7"/>
-    <p:sldId id="262" r:id="rId8"/>
-    <p:sldId id="263" r:id="rId9"/>
-    <p:sldId id="264" r:id="rId10"/>
+    <p:sldId id="257" r:id="rId2"/>
+    <p:sldId id="258" r:id="rId3"/>
+    <p:sldId id="259" r:id="rId4"/>
+    <p:sldId id="260" r:id="rId5"/>
+    <p:sldId id="261" r:id="rId6"/>
+    <p:sldId id="262" r:id="rId7"/>
+    <p:sldId id="263" r:id="rId8"/>
+    <p:sldId id="264" r:id="rId9"/>
+    <p:sldId id="266" r:id="rId10"/>
+    <p:sldId id="267" r:id="rId11"/>
+    <p:sldId id="268" r:id="rId12"/>
+    <p:sldId id="269" r:id="rId13"/>
+    <p:sldId id="270" r:id="rId14"/>
+    <p:sldId id="271" r:id="rId15"/>
   </p:sldIdLst>
   <p:sldSz cx="12192000" cy="6858000"/>
   <p:notesSz cx="6858000" cy="9144000"/>
@@ -112,6 +117,11 @@
       </a:defRPr>
     </a:lvl9pPr>
   </p:defaultTextStyle>
+  <p:extLst>
+    <p:ext uri="{EFAFB233-063F-42B5-8137-9DF3F51BA10A}">
+      <p15:sldGuideLst xmlns:p15="http://schemas.microsoft.com/office/powerpoint/2012/main"/>
+    </p:ext>
+  </p:extLst>
 </p:presentation>
 </file>
 
@@ -434,7 +444,7 @@
           <a:p>
             <a:fld id="{8C46DFBA-D1A0-444C-8A05-CE375C2D154B}" type="datetimeFigureOut">
               <a:rPr lang="de-DE" smtClean="0"/>
-              <a:t>21.03.2025</a:t>
+              <a:t>28.03.2025</a:t>
             </a:fld>
             <a:endParaRPr lang="de-DE"/>
           </a:p>
@@ -632,7 +642,7 @@
           <a:p>
             <a:fld id="{8C46DFBA-D1A0-444C-8A05-CE375C2D154B}" type="datetimeFigureOut">
               <a:rPr lang="de-DE" smtClean="0"/>
-              <a:t>21.03.2025</a:t>
+              <a:t>28.03.2025</a:t>
             </a:fld>
             <a:endParaRPr lang="de-DE"/>
           </a:p>
@@ -840,7 +850,7 @@
           <a:p>
             <a:fld id="{8C46DFBA-D1A0-444C-8A05-CE375C2D154B}" type="datetimeFigureOut">
               <a:rPr lang="de-DE" smtClean="0"/>
-              <a:t>21.03.2025</a:t>
+              <a:t>28.03.2025</a:t>
             </a:fld>
             <a:endParaRPr lang="de-DE"/>
           </a:p>
@@ -1038,7 +1048,7 @@
           <a:p>
             <a:fld id="{8C46DFBA-D1A0-444C-8A05-CE375C2D154B}" type="datetimeFigureOut">
               <a:rPr lang="de-DE" smtClean="0"/>
-              <a:t>21.03.2025</a:t>
+              <a:t>28.03.2025</a:t>
             </a:fld>
             <a:endParaRPr lang="de-DE"/>
           </a:p>
@@ -1313,7 +1323,7 @@
           <a:p>
             <a:fld id="{8C46DFBA-D1A0-444C-8A05-CE375C2D154B}" type="datetimeFigureOut">
               <a:rPr lang="de-DE" smtClean="0"/>
-              <a:t>21.03.2025</a:t>
+              <a:t>28.03.2025</a:t>
             </a:fld>
             <a:endParaRPr lang="de-DE"/>
           </a:p>
@@ -1578,7 +1588,7 @@
           <a:p>
             <a:fld id="{8C46DFBA-D1A0-444C-8A05-CE375C2D154B}" type="datetimeFigureOut">
               <a:rPr lang="de-DE" smtClean="0"/>
-              <a:t>21.03.2025</a:t>
+              <a:t>28.03.2025</a:t>
             </a:fld>
             <a:endParaRPr lang="de-DE"/>
           </a:p>
@@ -1990,7 +2000,7 @@
           <a:p>
             <a:fld id="{8C46DFBA-D1A0-444C-8A05-CE375C2D154B}" type="datetimeFigureOut">
               <a:rPr lang="de-DE" smtClean="0"/>
-              <a:t>21.03.2025</a:t>
+              <a:t>28.03.2025</a:t>
             </a:fld>
             <a:endParaRPr lang="de-DE"/>
           </a:p>
@@ -2131,7 +2141,7 @@
           <a:p>
             <a:fld id="{8C46DFBA-D1A0-444C-8A05-CE375C2D154B}" type="datetimeFigureOut">
               <a:rPr lang="de-DE" smtClean="0"/>
-              <a:t>21.03.2025</a:t>
+              <a:t>28.03.2025</a:t>
             </a:fld>
             <a:endParaRPr lang="de-DE"/>
           </a:p>
@@ -2244,7 +2254,7 @@
           <a:p>
             <a:fld id="{8C46DFBA-D1A0-444C-8A05-CE375C2D154B}" type="datetimeFigureOut">
               <a:rPr lang="de-DE" smtClean="0"/>
-              <a:t>21.03.2025</a:t>
+              <a:t>28.03.2025</a:t>
             </a:fld>
             <a:endParaRPr lang="de-DE"/>
           </a:p>
@@ -2555,7 +2565,7 @@
           <a:p>
             <a:fld id="{8C46DFBA-D1A0-444C-8A05-CE375C2D154B}" type="datetimeFigureOut">
               <a:rPr lang="de-DE" smtClean="0"/>
-              <a:t>21.03.2025</a:t>
+              <a:t>28.03.2025</a:t>
             </a:fld>
             <a:endParaRPr lang="de-DE"/>
           </a:p>
@@ -2843,7 +2853,7 @@
           <a:p>
             <a:fld id="{8C46DFBA-D1A0-444C-8A05-CE375C2D154B}" type="datetimeFigureOut">
               <a:rPr lang="de-DE" smtClean="0"/>
-              <a:t>21.03.2025</a:t>
+              <a:t>28.03.2025</a:t>
             </a:fld>
             <a:endParaRPr lang="de-DE"/>
           </a:p>
@@ -3084,7 +3094,7 @@
           <a:p>
             <a:fld id="{8C46DFBA-D1A0-444C-8A05-CE375C2D154B}" type="datetimeFigureOut">
               <a:rPr lang="de-DE" smtClean="0"/>
-              <a:t>21.03.2025</a:t>
+              <a:t>28.03.2025</a:t>
             </a:fld>
             <a:endParaRPr lang="de-DE"/>
           </a:p>
@@ -3506,86 +3516,6 @@
           <p:cNvPr id="2" name="Titel 1">
             <a:extLst>
               <a:ext uri="{FF2B5EF4-FFF2-40B4-BE49-F238E27FC236}">
-                <a16:creationId xmlns:a16="http://schemas.microsoft.com/office/drawing/2014/main" id="{B8136D77-74C1-FF71-B39D-67C6021F3F48}"/>
-              </a:ext>
-            </a:extLst>
-          </p:cNvPr>
-          <p:cNvSpPr>
-            <a:spLocks noGrp="1"/>
-          </p:cNvSpPr>
-          <p:nvPr>
-            <p:ph type="ctrTitle"/>
-          </p:nvPr>
-        </p:nvSpPr>
-        <p:spPr/>
-        <p:txBody>
-          <a:bodyPr/>
-          <a:lstStyle/>
-          <a:p>
-            <a:endParaRPr lang="de-DE"/>
-          </a:p>
-        </p:txBody>
-      </p:sp>
-      <p:sp>
-        <p:nvSpPr>
-          <p:cNvPr id="3" name="Untertitel 2">
-            <a:extLst>
-              <a:ext uri="{FF2B5EF4-FFF2-40B4-BE49-F238E27FC236}">
-                <a16:creationId xmlns:a16="http://schemas.microsoft.com/office/drawing/2014/main" id="{05B08EC6-2172-58D0-6688-0F19F9F33798}"/>
-              </a:ext>
-            </a:extLst>
-          </p:cNvPr>
-          <p:cNvSpPr>
-            <a:spLocks noGrp="1"/>
-          </p:cNvSpPr>
-          <p:nvPr>
-            <p:ph type="subTitle" idx="1"/>
-          </p:nvPr>
-        </p:nvSpPr>
-        <p:spPr/>
-        <p:txBody>
-          <a:bodyPr/>
-          <a:lstStyle/>
-          <a:p>
-            <a:endParaRPr lang="de-DE"/>
-          </a:p>
-        </p:txBody>
-      </p:sp>
-    </p:spTree>
-    <p:extLst>
-      <p:ext uri="{BB962C8B-B14F-4D97-AF65-F5344CB8AC3E}">
-        <p14:creationId xmlns:p14="http://schemas.microsoft.com/office/powerpoint/2010/main" val="2644800060"/>
-      </p:ext>
-    </p:extLst>
-  </p:cSld>
-  <p:clrMapOvr>
-    <a:masterClrMapping/>
-  </p:clrMapOvr>
-</p:sld>
-</file>
-
-<file path=ppt/slides/slide2.xml><?xml version="1.0" encoding="utf-8"?>
-<p:sld xmlns:a="http://schemas.openxmlformats.org/drawingml/2006/main" xmlns:r="http://schemas.openxmlformats.org/officeDocument/2006/relationships" xmlns:p="http://schemas.openxmlformats.org/presentationml/2006/main">
-  <p:cSld>
-    <p:spTree>
-      <p:nvGrpSpPr>
-        <p:cNvPr id="1" name=""/>
-        <p:cNvGrpSpPr/>
-        <p:nvPr/>
-      </p:nvGrpSpPr>
-      <p:grpSpPr>
-        <a:xfrm>
-          <a:off x="0" y="0"/>
-          <a:ext cx="0" cy="0"/>
-          <a:chOff x="0" y="0"/>
-          <a:chExt cx="0" cy="0"/>
-        </a:xfrm>
-      </p:grpSpPr>
-      <p:sp>
-        <p:nvSpPr>
-          <p:cNvPr id="2" name="Titel 1">
-            <a:extLst>
-              <a:ext uri="{FF2B5EF4-FFF2-40B4-BE49-F238E27FC236}">
                 <a16:creationId xmlns:a16="http://schemas.microsoft.com/office/drawing/2014/main" id="{AF6D21F9-BC10-3B6A-583C-F36EE26BE77B}"/>
               </a:ext>
             </a:extLst>
@@ -3660,7 +3590,7 @@
         </p:nvSpPr>
         <p:spPr>
           <a:xfrm>
-            <a:off x="838200" y="3711633"/>
+            <a:off x="838200" y="3054464"/>
             <a:ext cx="10515600" cy="2465330"/>
           </a:xfrm>
         </p:spPr>
@@ -3668,25 +3598,29 @@
           <a:bodyPr/>
           <a:lstStyle/>
           <a:p>
+            <a:pPr marL="0" indent="0">
+              <a:buNone/>
+            </a:pPr>
             <a:r>
               <a:rPr lang="en-US" sz="1800" b="0" i="0" u="none" strike="noStrike" baseline="0" dirty="0">
                 <a:solidFill>
-                  <a:srgbClr val="211D1E"/>
-                </a:solidFill>
+                  <a:srgbClr val="221E1F"/>
+                </a:solidFill>
+                <a:highlight>
+                  <a:srgbClr val="FF0000"/>
+                </a:highlight>
                 <a:latin typeface="Times" panose="02020603050405020304" pitchFamily="18" charset="0"/>
               </a:rPr>
-              <a:t>Install the propeller on the engine flange (S. </a:t>
-            </a:r>
-            <a:r>
-              <a:rPr lang="de-DE" sz="1800" b="0" i="0" u="none" strike="noStrike" baseline="0" dirty="0">
-                <a:solidFill>
-                  <a:srgbClr val="211D1E"/>
-                </a:solidFill>
-                <a:latin typeface="Helvetica" panose="020B0604020202020204" pitchFamily="34" charset="0"/>
-              </a:rPr>
-              <a:t>7-27)</a:t>
-            </a:r>
-            <a:endParaRPr lang="de-DE" dirty="0"/>
+              <a:t>Inspect them for the presence of metal particles. (S.8-2)</a:t>
+            </a:r>
+            <a:endParaRPr lang="de-DE" dirty="0">
+              <a:solidFill>
+                <a:srgbClr val="FF0000"/>
+              </a:solidFill>
+              <a:highlight>
+                <a:srgbClr val="FF0000"/>
+              </a:highlight>
+            </a:endParaRPr>
           </a:p>
         </p:txBody>
       </p:sp>
@@ -3703,7 +3637,826 @@
 </p:sld>
 </file>
 
-<file path=ppt/slides/slide3.xml><?xml version="1.0" encoding="utf-8"?>
+<file path=ppt/slides/slide10.xml><?xml version="1.0" encoding="utf-8"?>
+<p:sld xmlns:a="http://schemas.openxmlformats.org/drawingml/2006/main" xmlns:r="http://schemas.openxmlformats.org/officeDocument/2006/relationships" xmlns:p="http://schemas.openxmlformats.org/presentationml/2006/main">
+  <p:cSld>
+    <p:spTree>
+      <p:nvGrpSpPr>
+        <p:cNvPr id="1" name="">
+          <a:extLst>
+            <a:ext uri="{FF2B5EF4-FFF2-40B4-BE49-F238E27FC236}">
+              <a16:creationId xmlns:a16="http://schemas.microsoft.com/office/drawing/2014/main" id="{CF584BFF-9CAA-68FA-6211-E9EFCF9CD8DD}"/>
+            </a:ext>
+          </a:extLst>
+        </p:cNvPr>
+        <p:cNvGrpSpPr/>
+        <p:nvPr/>
+      </p:nvGrpSpPr>
+      <p:grpSpPr>
+        <a:xfrm>
+          <a:off x="0" y="0"/>
+          <a:ext cx="0" cy="0"/>
+          <a:chOff x="0" y="0"/>
+          <a:chExt cx="0" cy="0"/>
+        </a:xfrm>
+      </p:grpSpPr>
+      <p:sp>
+        <p:nvSpPr>
+          <p:cNvPr id="2" name="Titel 1">
+            <a:extLst>
+              <a:ext uri="{FF2B5EF4-FFF2-40B4-BE49-F238E27FC236}">
+                <a16:creationId xmlns:a16="http://schemas.microsoft.com/office/drawing/2014/main" id="{AAE712B8-F9A6-4906-D0E4-8DE24C76DDD1}"/>
+              </a:ext>
+            </a:extLst>
+          </p:cNvPr>
+          <p:cNvSpPr>
+            <a:spLocks noGrp="1"/>
+          </p:cNvSpPr>
+          <p:nvPr>
+            <p:ph type="title"/>
+          </p:nvPr>
+        </p:nvSpPr>
+        <p:spPr>
+          <a:xfrm>
+            <a:off x="838200" y="348500"/>
+            <a:ext cx="10515600" cy="1325563"/>
+          </a:xfrm>
+        </p:spPr>
+        <p:txBody>
+          <a:bodyPr>
+            <a:normAutofit/>
+          </a:bodyPr>
+          <a:lstStyle/>
+          <a:p>
+            <a:r>
+              <a:rPr lang="en-US" dirty="0"/>
+              <a:t>Rule 1.10 Do not use slang or jargon words as technical names.</a:t>
+            </a:r>
+            <a:endParaRPr lang="de-DE" dirty="0"/>
+          </a:p>
+        </p:txBody>
+      </p:sp>
+      <p:sp>
+        <p:nvSpPr>
+          <p:cNvPr id="3" name="Inhaltsplatzhalter 2">
+            <a:extLst>
+              <a:ext uri="{FF2B5EF4-FFF2-40B4-BE49-F238E27FC236}">
+                <a16:creationId xmlns:a16="http://schemas.microsoft.com/office/drawing/2014/main" id="{F4787A09-33EE-4500-DAC7-10A14105E664}"/>
+              </a:ext>
+            </a:extLst>
+          </p:cNvPr>
+          <p:cNvSpPr>
+            <a:spLocks noGrp="1"/>
+          </p:cNvSpPr>
+          <p:nvPr>
+            <p:ph idx="1"/>
+          </p:nvPr>
+        </p:nvSpPr>
+        <p:spPr>
+          <a:xfrm>
+            <a:off x="838200" y="2439785"/>
+            <a:ext cx="10515600" cy="3737178"/>
+          </a:xfrm>
+        </p:spPr>
+        <p:txBody>
+          <a:bodyPr/>
+          <a:lstStyle/>
+          <a:p>
+            <a:pPr marL="0" indent="0">
+              <a:buNone/>
+            </a:pPr>
+            <a:r>
+              <a:rPr lang="de-DE" sz="1800" b="0" i="0" u="none" strike="noStrike" baseline="0" dirty="0">
+                <a:solidFill>
+                  <a:srgbClr val="211D1E"/>
+                </a:solidFill>
+                <a:latin typeface="Arial" panose="020B0604020202020204" pitchFamily="34" charset="0"/>
+                <a:cs typeface="Arial" panose="020B0604020202020204" pitchFamily="34" charset="0"/>
+              </a:rPr>
+              <a:t>/</a:t>
+            </a:r>
+            <a:endParaRPr lang="de-DE" dirty="0">
+              <a:latin typeface="Arial" panose="020B0604020202020204" pitchFamily="34" charset="0"/>
+              <a:cs typeface="Arial" panose="020B0604020202020204" pitchFamily="34" charset="0"/>
+            </a:endParaRPr>
+          </a:p>
+        </p:txBody>
+      </p:sp>
+    </p:spTree>
+    <p:extLst>
+      <p:ext uri="{BB962C8B-B14F-4D97-AF65-F5344CB8AC3E}">
+        <p14:creationId xmlns:p14="http://schemas.microsoft.com/office/powerpoint/2010/main" val="1241909244"/>
+      </p:ext>
+    </p:extLst>
+  </p:cSld>
+  <p:clrMapOvr>
+    <a:masterClrMapping/>
+  </p:clrMapOvr>
+</p:sld>
+</file>
+
+<file path=ppt/slides/slide11.xml><?xml version="1.0" encoding="utf-8"?>
+<p:sld xmlns:a="http://schemas.openxmlformats.org/drawingml/2006/main" xmlns:r="http://schemas.openxmlformats.org/officeDocument/2006/relationships" xmlns:p="http://schemas.openxmlformats.org/presentationml/2006/main">
+  <p:cSld>
+    <p:spTree>
+      <p:nvGrpSpPr>
+        <p:cNvPr id="1" name="">
+          <a:extLst>
+            <a:ext uri="{FF2B5EF4-FFF2-40B4-BE49-F238E27FC236}">
+              <a16:creationId xmlns:a16="http://schemas.microsoft.com/office/drawing/2014/main" id="{DCB1679E-10B7-9047-9A80-5AAEEB9FE37F}"/>
+            </a:ext>
+          </a:extLst>
+        </p:cNvPr>
+        <p:cNvGrpSpPr/>
+        <p:nvPr/>
+      </p:nvGrpSpPr>
+      <p:grpSpPr>
+        <a:xfrm>
+          <a:off x="0" y="0"/>
+          <a:ext cx="0" cy="0"/>
+          <a:chOff x="0" y="0"/>
+          <a:chExt cx="0" cy="0"/>
+        </a:xfrm>
+      </p:grpSpPr>
+      <p:sp>
+        <p:nvSpPr>
+          <p:cNvPr id="2" name="Titel 1">
+            <a:extLst>
+              <a:ext uri="{FF2B5EF4-FFF2-40B4-BE49-F238E27FC236}">
+                <a16:creationId xmlns:a16="http://schemas.microsoft.com/office/drawing/2014/main" id="{C26FC08B-6099-A07C-621B-B32C4355A580}"/>
+              </a:ext>
+            </a:extLst>
+          </p:cNvPr>
+          <p:cNvSpPr>
+            <a:spLocks noGrp="1"/>
+          </p:cNvSpPr>
+          <p:nvPr>
+            <p:ph type="title"/>
+          </p:nvPr>
+        </p:nvSpPr>
+        <p:spPr>
+          <a:xfrm>
+            <a:off x="838200" y="348500"/>
+            <a:ext cx="10515600" cy="1325563"/>
+          </a:xfrm>
+        </p:spPr>
+        <p:txBody>
+          <a:bodyPr>
+            <a:normAutofit/>
+          </a:bodyPr>
+          <a:lstStyle/>
+          <a:p>
+            <a:r>
+              <a:rPr lang="en-US" dirty="0"/>
+              <a:t>Rule 1.11 Do not use different technical names for the same item.</a:t>
+            </a:r>
+            <a:endParaRPr lang="de-DE" dirty="0"/>
+          </a:p>
+        </p:txBody>
+      </p:sp>
+      <p:sp>
+        <p:nvSpPr>
+          <p:cNvPr id="3" name="Inhaltsplatzhalter 2">
+            <a:extLst>
+              <a:ext uri="{FF2B5EF4-FFF2-40B4-BE49-F238E27FC236}">
+                <a16:creationId xmlns:a16="http://schemas.microsoft.com/office/drawing/2014/main" id="{97AF240D-E277-506B-E583-434C0A380844}"/>
+              </a:ext>
+            </a:extLst>
+          </p:cNvPr>
+          <p:cNvSpPr>
+            <a:spLocks noGrp="1"/>
+          </p:cNvSpPr>
+          <p:nvPr>
+            <p:ph idx="1"/>
+          </p:nvPr>
+        </p:nvSpPr>
+        <p:spPr>
+          <a:xfrm>
+            <a:off x="838200" y="2439785"/>
+            <a:ext cx="10515600" cy="3737178"/>
+          </a:xfrm>
+        </p:spPr>
+        <p:txBody>
+          <a:bodyPr/>
+          <a:lstStyle/>
+          <a:p>
+            <a:pPr marL="0" indent="0">
+              <a:buNone/>
+            </a:pPr>
+            <a:r>
+              <a:rPr lang="en-US" sz="1800" b="0" i="0" u="none" strike="noStrike" baseline="0" dirty="0">
+                <a:solidFill>
+                  <a:srgbClr val="221E1F"/>
+                </a:solidFill>
+                <a:latin typeface="Times" panose="02020603050405020304" pitchFamily="18" charset="0"/>
+              </a:rPr>
+              <a:t>If the crankshaft or propeller drive shaft runout does not exceed these limits, install a serviceable </a:t>
+            </a:r>
+            <a:r>
+              <a:rPr lang="en-US" sz="1800" b="0" i="0" u="none" strike="noStrike" baseline="0" dirty="0">
+                <a:solidFill>
+                  <a:srgbClr val="221E1F"/>
+                </a:solidFill>
+                <a:highlight>
+                  <a:srgbClr val="FFFF00"/>
+                </a:highlight>
+                <a:latin typeface="Times" panose="02020603050405020304" pitchFamily="18" charset="0"/>
+              </a:rPr>
+              <a:t>propeller</a:t>
+            </a:r>
+            <a:r>
+              <a:rPr lang="en-US" sz="1800" b="0" i="0" u="none" strike="noStrike" baseline="0" dirty="0">
+                <a:solidFill>
+                  <a:srgbClr val="221E1F"/>
+                </a:solidFill>
+                <a:latin typeface="Times" panose="02020603050405020304" pitchFamily="18" charset="0"/>
+              </a:rPr>
+              <a:t>. Make an additional check by tracking the </a:t>
+            </a:r>
+            <a:r>
+              <a:rPr lang="en-US" sz="1800" b="0" i="0" u="none" strike="noStrike" baseline="0" dirty="0">
+                <a:solidFill>
+                  <a:srgbClr val="221E1F"/>
+                </a:solidFill>
+                <a:highlight>
+                  <a:srgbClr val="FFFF00"/>
+                </a:highlight>
+                <a:latin typeface="Times" panose="02020603050405020304" pitchFamily="18" charset="0"/>
+              </a:rPr>
+              <a:t>propeller</a:t>
+            </a:r>
+            <a:r>
+              <a:rPr lang="en-US" sz="1800" b="0" i="0" u="none" strike="noStrike" baseline="0" dirty="0">
+                <a:solidFill>
+                  <a:srgbClr val="221E1F"/>
+                </a:solidFill>
+                <a:latin typeface="Times" panose="02020603050405020304" pitchFamily="18" charset="0"/>
+              </a:rPr>
+              <a:t> at the tip in the same plane, perpendicular to the axis of rotation, to assure that blade track tolerance is within the prescribed limits. (S.8-2)</a:t>
+            </a:r>
+            <a:endParaRPr lang="de-DE" dirty="0">
+              <a:latin typeface="Arial" panose="020B0604020202020204" pitchFamily="34" charset="0"/>
+              <a:cs typeface="Arial" panose="020B0604020202020204" pitchFamily="34" charset="0"/>
+            </a:endParaRPr>
+          </a:p>
+        </p:txBody>
+      </p:sp>
+    </p:spTree>
+    <p:extLst>
+      <p:ext uri="{BB962C8B-B14F-4D97-AF65-F5344CB8AC3E}">
+        <p14:creationId xmlns:p14="http://schemas.microsoft.com/office/powerpoint/2010/main" val="2286429899"/>
+      </p:ext>
+    </p:extLst>
+  </p:cSld>
+  <p:clrMapOvr>
+    <a:masterClrMapping/>
+  </p:clrMapOvr>
+</p:sld>
+</file>
+
+<file path=ppt/slides/slide12.xml><?xml version="1.0" encoding="utf-8"?>
+<p:sld xmlns:a="http://schemas.openxmlformats.org/drawingml/2006/main" xmlns:r="http://schemas.openxmlformats.org/officeDocument/2006/relationships" xmlns:p="http://schemas.openxmlformats.org/presentationml/2006/main">
+  <p:cSld>
+    <p:spTree>
+      <p:nvGrpSpPr>
+        <p:cNvPr id="1" name="">
+          <a:extLst>
+            <a:ext uri="{FF2B5EF4-FFF2-40B4-BE49-F238E27FC236}">
+              <a16:creationId xmlns:a16="http://schemas.microsoft.com/office/drawing/2014/main" id="{B52AC58B-44D8-5323-50E2-D782FAB16311}"/>
+            </a:ext>
+          </a:extLst>
+        </p:cNvPr>
+        <p:cNvGrpSpPr/>
+        <p:nvPr/>
+      </p:nvGrpSpPr>
+      <p:grpSpPr>
+        <a:xfrm>
+          <a:off x="0" y="0"/>
+          <a:ext cx="0" cy="0"/>
+          <a:chOff x="0" y="0"/>
+          <a:chExt cx="0" cy="0"/>
+        </a:xfrm>
+      </p:grpSpPr>
+      <p:sp>
+        <p:nvSpPr>
+          <p:cNvPr id="2" name="Titel 1">
+            <a:extLst>
+              <a:ext uri="{FF2B5EF4-FFF2-40B4-BE49-F238E27FC236}">
+                <a16:creationId xmlns:a16="http://schemas.microsoft.com/office/drawing/2014/main" id="{4CC4ADB1-E5A6-50A6-C4C7-E4ED22A9B6A4}"/>
+              </a:ext>
+            </a:extLst>
+          </p:cNvPr>
+          <p:cNvSpPr>
+            <a:spLocks noGrp="1"/>
+          </p:cNvSpPr>
+          <p:nvPr>
+            <p:ph type="title"/>
+          </p:nvPr>
+        </p:nvSpPr>
+        <p:spPr>
+          <a:xfrm>
+            <a:off x="838200" y="348500"/>
+            <a:ext cx="10515600" cy="1325563"/>
+          </a:xfrm>
+        </p:spPr>
+        <p:txBody>
+          <a:bodyPr>
+            <a:normAutofit/>
+          </a:bodyPr>
+          <a:lstStyle/>
+          <a:p>
+            <a:r>
+              <a:rPr lang="en-US" dirty="0"/>
+              <a:t>Rule 1.12 You can use verbs that you can include in a technical verb category.</a:t>
+            </a:r>
+            <a:endParaRPr lang="de-DE" dirty="0"/>
+          </a:p>
+        </p:txBody>
+      </p:sp>
+      <p:sp>
+        <p:nvSpPr>
+          <p:cNvPr id="3" name="Inhaltsplatzhalter 2">
+            <a:extLst>
+              <a:ext uri="{FF2B5EF4-FFF2-40B4-BE49-F238E27FC236}">
+                <a16:creationId xmlns:a16="http://schemas.microsoft.com/office/drawing/2014/main" id="{C17FC1C6-ABE0-4A6D-94F5-5A42599EB47E}"/>
+              </a:ext>
+            </a:extLst>
+          </p:cNvPr>
+          <p:cNvSpPr>
+            <a:spLocks noGrp="1"/>
+          </p:cNvSpPr>
+          <p:nvPr>
+            <p:ph idx="1"/>
+          </p:nvPr>
+        </p:nvSpPr>
+        <p:spPr>
+          <a:xfrm>
+            <a:off x="838200" y="2439785"/>
+            <a:ext cx="10515600" cy="3737178"/>
+          </a:xfrm>
+        </p:spPr>
+        <p:txBody>
+          <a:bodyPr/>
+          <a:lstStyle/>
+          <a:p>
+            <a:pPr marL="0" indent="0">
+              <a:buNone/>
+            </a:pPr>
+            <a:r>
+              <a:rPr lang="en-US" sz="1800" b="0" i="0" u="none" strike="noStrike" baseline="0" dirty="0">
+                <a:solidFill>
+                  <a:srgbClr val="221E1F"/>
+                </a:solidFill>
+                <a:latin typeface="Times" panose="02020603050405020304" pitchFamily="18" charset="0"/>
+              </a:rPr>
+              <a:t>The type mixed with engine oil to form a corrosion-preventive mixture is a relatively light compound that readily </a:t>
+            </a:r>
+            <a:r>
+              <a:rPr lang="en-US" sz="1800" b="0" i="0" u="none" strike="noStrike" baseline="0" dirty="0">
+                <a:solidFill>
+                  <a:srgbClr val="221E1F"/>
+                </a:solidFill>
+                <a:highlight>
+                  <a:srgbClr val="FFFF00"/>
+                </a:highlight>
+                <a:latin typeface="Times" panose="02020603050405020304" pitchFamily="18" charset="0"/>
+              </a:rPr>
+              <a:t>blends</a:t>
+            </a:r>
+            <a:r>
+              <a:rPr lang="en-US" sz="1800" b="0" i="0" u="none" strike="noStrike" baseline="0" dirty="0">
+                <a:solidFill>
+                  <a:srgbClr val="221E1F"/>
+                </a:solidFill>
+                <a:latin typeface="Times" panose="02020603050405020304" pitchFamily="18" charset="0"/>
+              </a:rPr>
+              <a:t> with engine oil when the mixture is heated to the proper temperature. (</a:t>
+            </a:r>
+            <a:r>
+              <a:rPr lang="en-US" sz="1800" b="0" i="0" u="none" strike="noStrike" baseline="0" dirty="0">
+                <a:solidFill>
+                  <a:srgbClr val="211D1E"/>
+                </a:solidFill>
+                <a:latin typeface="Arial" panose="020B0604020202020204" pitchFamily="34" charset="0"/>
+                <a:cs typeface="Arial" panose="020B0604020202020204" pitchFamily="34" charset="0"/>
+              </a:rPr>
+              <a:t>S.</a:t>
+            </a:r>
+            <a:r>
+              <a:rPr lang="de-DE" sz="1800" b="0" i="0" u="none" strike="noStrike" baseline="0" dirty="0">
+                <a:solidFill>
+                  <a:srgbClr val="211D1E"/>
+                </a:solidFill>
+                <a:latin typeface="Arial" panose="020B0604020202020204" pitchFamily="34" charset="0"/>
+                <a:cs typeface="Arial" panose="020B0604020202020204" pitchFamily="34" charset="0"/>
+              </a:rPr>
+              <a:t> 8-18)</a:t>
+            </a:r>
+            <a:endParaRPr lang="de-DE" dirty="0">
+              <a:latin typeface="Arial" panose="020B0604020202020204" pitchFamily="34" charset="0"/>
+              <a:cs typeface="Arial" panose="020B0604020202020204" pitchFamily="34" charset="0"/>
+            </a:endParaRPr>
+          </a:p>
+        </p:txBody>
+      </p:sp>
+      <p:pic>
+        <p:nvPicPr>
+          <p:cNvPr id="7" name="Grafik 6">
+            <a:extLst>
+              <a:ext uri="{FF2B5EF4-FFF2-40B4-BE49-F238E27FC236}">
+                <a16:creationId xmlns:a16="http://schemas.microsoft.com/office/drawing/2014/main" id="{CD11A764-B14D-628D-A2F2-EC49035B1CE9}"/>
+              </a:ext>
+            </a:extLst>
+          </p:cNvPr>
+          <p:cNvPicPr>
+            <a:picLocks noChangeAspect="1"/>
+          </p:cNvPicPr>
+          <p:nvPr/>
+        </p:nvPicPr>
+        <p:blipFill>
+          <a:blip r:embed="rId2"/>
+          <a:stretch>
+            <a:fillRect/>
+          </a:stretch>
+        </p:blipFill>
+        <p:spPr>
+          <a:xfrm>
+            <a:off x="838200" y="3437467"/>
+            <a:ext cx="6697010" cy="409632"/>
+          </a:xfrm>
+          <a:prstGeom prst="rect">
+            <a:avLst/>
+          </a:prstGeom>
+        </p:spPr>
+      </p:pic>
+    </p:spTree>
+    <p:extLst>
+      <p:ext uri="{BB962C8B-B14F-4D97-AF65-F5344CB8AC3E}">
+        <p14:creationId xmlns:p14="http://schemas.microsoft.com/office/powerpoint/2010/main" val="1561442636"/>
+      </p:ext>
+    </p:extLst>
+  </p:cSld>
+  <p:clrMapOvr>
+    <a:masterClrMapping/>
+  </p:clrMapOvr>
+</p:sld>
+</file>
+
+<file path=ppt/slides/slide13.xml><?xml version="1.0" encoding="utf-8"?>
+<p:sld xmlns:a="http://schemas.openxmlformats.org/drawingml/2006/main" xmlns:r="http://schemas.openxmlformats.org/officeDocument/2006/relationships" xmlns:p="http://schemas.openxmlformats.org/presentationml/2006/main">
+  <p:cSld>
+    <p:spTree>
+      <p:nvGrpSpPr>
+        <p:cNvPr id="1" name="">
+          <a:extLst>
+            <a:ext uri="{FF2B5EF4-FFF2-40B4-BE49-F238E27FC236}">
+              <a16:creationId xmlns:a16="http://schemas.microsoft.com/office/drawing/2014/main" id="{362B3000-4DB0-8A61-FC2C-D304B969FDA2}"/>
+            </a:ext>
+          </a:extLst>
+        </p:cNvPr>
+        <p:cNvGrpSpPr/>
+        <p:nvPr/>
+      </p:nvGrpSpPr>
+      <p:grpSpPr>
+        <a:xfrm>
+          <a:off x="0" y="0"/>
+          <a:ext cx="0" cy="0"/>
+          <a:chOff x="0" y="0"/>
+          <a:chExt cx="0" cy="0"/>
+        </a:xfrm>
+      </p:grpSpPr>
+      <p:sp>
+        <p:nvSpPr>
+          <p:cNvPr id="2" name="Titel 1">
+            <a:extLst>
+              <a:ext uri="{FF2B5EF4-FFF2-40B4-BE49-F238E27FC236}">
+                <a16:creationId xmlns:a16="http://schemas.microsoft.com/office/drawing/2014/main" id="{E241A063-D285-18A7-1F5A-C37DD9CD10C4}"/>
+              </a:ext>
+            </a:extLst>
+          </p:cNvPr>
+          <p:cNvSpPr>
+            <a:spLocks noGrp="1"/>
+          </p:cNvSpPr>
+          <p:nvPr>
+            <p:ph type="title"/>
+          </p:nvPr>
+        </p:nvSpPr>
+        <p:spPr>
+          <a:xfrm>
+            <a:off x="838200" y="348500"/>
+            <a:ext cx="10515600" cy="1325563"/>
+          </a:xfrm>
+        </p:spPr>
+        <p:txBody>
+          <a:bodyPr>
+            <a:normAutofit/>
+          </a:bodyPr>
+          <a:lstStyle/>
+          <a:p>
+            <a:r>
+              <a:rPr lang="en-US" dirty="0"/>
+              <a:t>Rule 1.13 Do not use technical verbs as nouns</a:t>
+            </a:r>
+            <a:endParaRPr lang="de-DE" dirty="0"/>
+          </a:p>
+        </p:txBody>
+      </p:sp>
+      <p:sp>
+        <p:nvSpPr>
+          <p:cNvPr id="3" name="Inhaltsplatzhalter 2">
+            <a:extLst>
+              <a:ext uri="{FF2B5EF4-FFF2-40B4-BE49-F238E27FC236}">
+                <a16:creationId xmlns:a16="http://schemas.microsoft.com/office/drawing/2014/main" id="{567525D2-E510-258A-84A5-2E7282899DA7}"/>
+              </a:ext>
+            </a:extLst>
+          </p:cNvPr>
+          <p:cNvSpPr>
+            <a:spLocks noGrp="1"/>
+          </p:cNvSpPr>
+          <p:nvPr>
+            <p:ph idx="1"/>
+          </p:nvPr>
+        </p:nvSpPr>
+        <p:spPr>
+          <a:xfrm>
+            <a:off x="838200" y="2439785"/>
+            <a:ext cx="10515600" cy="3737178"/>
+          </a:xfrm>
+        </p:spPr>
+        <p:txBody>
+          <a:bodyPr/>
+          <a:lstStyle/>
+          <a:p>
+            <a:pPr algn="l"/>
+            <a:endParaRPr lang="de-DE" sz="1800" b="0" i="0" u="none" strike="noStrike" baseline="0" dirty="0">
+              <a:solidFill>
+                <a:srgbClr val="000000"/>
+              </a:solidFill>
+              <a:latin typeface="Times" panose="02020603050405020304" pitchFamily="18" charset="0"/>
+            </a:endParaRPr>
+          </a:p>
+          <a:p>
+            <a:pPr marL="0" indent="0" algn="just">
+              <a:buNone/>
+            </a:pPr>
+            <a:r>
+              <a:rPr lang="en-US" sz="1800" b="0" i="0" u="none" strike="noStrike" baseline="0" dirty="0">
+                <a:solidFill>
+                  <a:srgbClr val="221E1F"/>
+                </a:solidFill>
+                <a:latin typeface="Times" panose="02020603050405020304" pitchFamily="18" charset="0"/>
+              </a:rPr>
+              <a:t>The engine control rods and cables </a:t>
+            </a:r>
+            <a:r>
+              <a:rPr lang="en-US" sz="1800" b="0" i="0" u="none" strike="noStrike" baseline="0" dirty="0">
+                <a:solidFill>
+                  <a:srgbClr val="221E1F"/>
+                </a:solidFill>
+                <a:highlight>
+                  <a:srgbClr val="FFFF00"/>
+                </a:highlight>
+                <a:latin typeface="Times" panose="02020603050405020304" pitchFamily="18" charset="0"/>
+              </a:rPr>
+              <a:t>connect</a:t>
+            </a:r>
+            <a:r>
+              <a:rPr lang="en-US" sz="1800" b="0" i="0" u="none" strike="noStrike" baseline="0" dirty="0">
+                <a:solidFill>
+                  <a:srgbClr val="221E1F"/>
+                </a:solidFill>
+                <a:latin typeface="Times" panose="02020603050405020304" pitchFamily="18" charset="0"/>
+              </a:rPr>
+              <a:t> such units as the carburetor or fuel control throttle valve and the mixture control valve with their manually actuated control in the cockpit.</a:t>
+            </a:r>
+            <a:r>
+              <a:rPr lang="en-US" sz="1800" b="0" i="0" u="none" strike="noStrike" baseline="0" dirty="0">
+                <a:solidFill>
+                  <a:srgbClr val="211D1E"/>
+                </a:solidFill>
+                <a:latin typeface="Arial" panose="020B0604020202020204" pitchFamily="34" charset="0"/>
+                <a:cs typeface="Arial" panose="020B0604020202020204" pitchFamily="34" charset="0"/>
+              </a:rPr>
+              <a:t>(S.</a:t>
+            </a:r>
+            <a:r>
+              <a:rPr lang="de-DE" sz="1800" dirty="0">
+                <a:solidFill>
+                  <a:srgbClr val="211D1E"/>
+                </a:solidFill>
+                <a:latin typeface="Arial" panose="020B0604020202020204" pitchFamily="34" charset="0"/>
+                <a:cs typeface="Arial" panose="020B0604020202020204" pitchFamily="34" charset="0"/>
+              </a:rPr>
+              <a:t>8-8</a:t>
+            </a:r>
+            <a:r>
+              <a:rPr lang="de-DE" sz="1800" b="0" i="0" u="none" strike="noStrike" baseline="0" dirty="0">
+                <a:solidFill>
+                  <a:srgbClr val="211D1E"/>
+                </a:solidFill>
+                <a:latin typeface="Arial" panose="020B0604020202020204" pitchFamily="34" charset="0"/>
+                <a:cs typeface="Arial" panose="020B0604020202020204" pitchFamily="34" charset="0"/>
+              </a:rPr>
+              <a:t>)</a:t>
+            </a:r>
+            <a:endParaRPr lang="de-DE" dirty="0">
+              <a:latin typeface="Arial" panose="020B0604020202020204" pitchFamily="34" charset="0"/>
+              <a:cs typeface="Arial" panose="020B0604020202020204" pitchFamily="34" charset="0"/>
+            </a:endParaRPr>
+          </a:p>
+        </p:txBody>
+      </p:sp>
+    </p:spTree>
+    <p:extLst>
+      <p:ext uri="{BB962C8B-B14F-4D97-AF65-F5344CB8AC3E}">
+        <p14:creationId xmlns:p14="http://schemas.microsoft.com/office/powerpoint/2010/main" val="423051043"/>
+      </p:ext>
+    </p:extLst>
+  </p:cSld>
+  <p:clrMapOvr>
+    <a:masterClrMapping/>
+  </p:clrMapOvr>
+</p:sld>
+</file>
+
+<file path=ppt/slides/slide14.xml><?xml version="1.0" encoding="utf-8"?>
+<p:sld xmlns:a="http://schemas.openxmlformats.org/drawingml/2006/main" xmlns:r="http://schemas.openxmlformats.org/officeDocument/2006/relationships" xmlns:p="http://schemas.openxmlformats.org/presentationml/2006/main">
+  <p:cSld>
+    <p:spTree>
+      <p:nvGrpSpPr>
+        <p:cNvPr id="1" name="">
+          <a:extLst>
+            <a:ext uri="{FF2B5EF4-FFF2-40B4-BE49-F238E27FC236}">
+              <a16:creationId xmlns:a16="http://schemas.microsoft.com/office/drawing/2014/main" id="{C248AD37-B8DE-B0D2-6E95-380920C1B6B6}"/>
+            </a:ext>
+          </a:extLst>
+        </p:cNvPr>
+        <p:cNvGrpSpPr/>
+        <p:nvPr/>
+      </p:nvGrpSpPr>
+      <p:grpSpPr>
+        <a:xfrm>
+          <a:off x="0" y="0"/>
+          <a:ext cx="0" cy="0"/>
+          <a:chOff x="0" y="0"/>
+          <a:chExt cx="0" cy="0"/>
+        </a:xfrm>
+      </p:grpSpPr>
+      <p:sp>
+        <p:nvSpPr>
+          <p:cNvPr id="2" name="Titel 1">
+            <a:extLst>
+              <a:ext uri="{FF2B5EF4-FFF2-40B4-BE49-F238E27FC236}">
+                <a16:creationId xmlns:a16="http://schemas.microsoft.com/office/drawing/2014/main" id="{5D5B6967-4A33-5E6E-1740-1335372ACE34}"/>
+              </a:ext>
+            </a:extLst>
+          </p:cNvPr>
+          <p:cNvSpPr>
+            <a:spLocks noGrp="1"/>
+          </p:cNvSpPr>
+          <p:nvPr>
+            <p:ph type="title"/>
+          </p:nvPr>
+        </p:nvSpPr>
+        <p:spPr>
+          <a:xfrm>
+            <a:off x="838200" y="348500"/>
+            <a:ext cx="10515600" cy="1325563"/>
+          </a:xfrm>
+        </p:spPr>
+        <p:txBody>
+          <a:bodyPr>
+            <a:normAutofit/>
+          </a:bodyPr>
+          <a:lstStyle/>
+          <a:p>
+            <a:r>
+              <a:rPr lang="en-US" dirty="0"/>
+              <a:t>Rule 1.14 Use American English spelling</a:t>
+            </a:r>
+            <a:endParaRPr lang="de-DE" dirty="0"/>
+          </a:p>
+        </p:txBody>
+      </p:sp>
+      <p:sp>
+        <p:nvSpPr>
+          <p:cNvPr id="3" name="Inhaltsplatzhalter 2">
+            <a:extLst>
+              <a:ext uri="{FF2B5EF4-FFF2-40B4-BE49-F238E27FC236}">
+                <a16:creationId xmlns:a16="http://schemas.microsoft.com/office/drawing/2014/main" id="{4CB5D72D-FD61-1E81-B661-349EA15E8265}"/>
+              </a:ext>
+            </a:extLst>
+          </p:cNvPr>
+          <p:cNvSpPr>
+            <a:spLocks noGrp="1"/>
+          </p:cNvSpPr>
+          <p:nvPr>
+            <p:ph idx="1"/>
+          </p:nvPr>
+        </p:nvSpPr>
+        <p:spPr>
+          <a:xfrm>
+            <a:off x="838200" y="2439785"/>
+            <a:ext cx="10515600" cy="3737178"/>
+          </a:xfrm>
+        </p:spPr>
+        <p:txBody>
+          <a:bodyPr/>
+          <a:lstStyle/>
+          <a:p>
+            <a:pPr algn="l"/>
+            <a:endParaRPr lang="de-DE" sz="1800" b="0" i="0" u="none" strike="noStrike" baseline="0" dirty="0">
+              <a:solidFill>
+                <a:srgbClr val="000000"/>
+              </a:solidFill>
+              <a:latin typeface="Times" panose="02020603050405020304" pitchFamily="18" charset="0"/>
+            </a:endParaRPr>
+          </a:p>
+          <a:p>
+            <a:pPr marL="0" indent="0" algn="just">
+              <a:buNone/>
+            </a:pPr>
+            <a:r>
+              <a:rPr lang="en-US" sz="1800" b="0" i="0" u="none" strike="noStrike" baseline="0" dirty="0">
+                <a:solidFill>
+                  <a:srgbClr val="221E1F"/>
+                </a:solidFill>
+                <a:latin typeface="Times" panose="02020603050405020304" pitchFamily="18" charset="0"/>
+              </a:rPr>
+              <a:t>The cobalt-chloride-treated silica gel remains a bright blue </a:t>
+            </a:r>
+            <a:r>
+              <a:rPr lang="en-US" sz="1800" b="0" i="0" u="none" strike="noStrike" baseline="0" dirty="0">
+                <a:solidFill>
+                  <a:srgbClr val="221E1F"/>
+                </a:solidFill>
+                <a:highlight>
+                  <a:srgbClr val="FFFF00"/>
+                </a:highlight>
+                <a:latin typeface="Times" panose="02020603050405020304" pitchFamily="18" charset="0"/>
+              </a:rPr>
+              <a:t>color</a:t>
+            </a:r>
+            <a:r>
+              <a:rPr lang="en-US" sz="1800" b="0" i="0" u="none" strike="noStrike" baseline="0" dirty="0">
+                <a:solidFill>
+                  <a:srgbClr val="221E1F"/>
+                </a:solidFill>
+                <a:latin typeface="Times" panose="02020603050405020304" pitchFamily="18" charset="0"/>
+              </a:rPr>
+              <a:t> with low relative humidity; […]. (</a:t>
+            </a:r>
+            <a:r>
+              <a:rPr lang="en-US" sz="1800" b="0" i="0" u="none" strike="noStrike" baseline="0" dirty="0">
+                <a:solidFill>
+                  <a:srgbClr val="211D1E"/>
+                </a:solidFill>
+                <a:latin typeface="Arial" panose="020B0604020202020204" pitchFamily="34" charset="0"/>
+                <a:cs typeface="Arial" panose="020B0604020202020204" pitchFamily="34" charset="0"/>
+              </a:rPr>
+              <a:t>S.</a:t>
+            </a:r>
+            <a:r>
+              <a:rPr lang="de-DE" sz="1800" dirty="0">
+                <a:solidFill>
+                  <a:srgbClr val="211D1E"/>
+                </a:solidFill>
+                <a:latin typeface="Arial" panose="020B0604020202020204" pitchFamily="34" charset="0"/>
+                <a:cs typeface="Arial" panose="020B0604020202020204" pitchFamily="34" charset="0"/>
+              </a:rPr>
+              <a:t>8-19</a:t>
+            </a:r>
+            <a:r>
+              <a:rPr lang="de-DE" sz="1800" b="0" i="0" u="none" strike="noStrike" baseline="0" dirty="0">
+                <a:solidFill>
+                  <a:srgbClr val="211D1E"/>
+                </a:solidFill>
+                <a:latin typeface="Arial" panose="020B0604020202020204" pitchFamily="34" charset="0"/>
+                <a:cs typeface="Arial" panose="020B0604020202020204" pitchFamily="34" charset="0"/>
+              </a:rPr>
+              <a:t>)</a:t>
+            </a:r>
+            <a:endParaRPr lang="de-DE" dirty="0">
+              <a:latin typeface="Arial" panose="020B0604020202020204" pitchFamily="34" charset="0"/>
+              <a:cs typeface="Arial" panose="020B0604020202020204" pitchFamily="34" charset="0"/>
+            </a:endParaRPr>
+          </a:p>
+        </p:txBody>
+      </p:sp>
+    </p:spTree>
+    <p:extLst>
+      <p:ext uri="{BB962C8B-B14F-4D97-AF65-F5344CB8AC3E}">
+        <p14:creationId xmlns:p14="http://schemas.microsoft.com/office/powerpoint/2010/main" val="3892858212"/>
+      </p:ext>
+    </p:extLst>
+  </p:cSld>
+  <p:clrMapOvr>
+    <a:masterClrMapping/>
+  </p:clrMapOvr>
+</p:sld>
+</file>
+
+<file path=ppt/slides/slide2.xml><?xml version="1.0" encoding="utf-8"?>
 <p:sld xmlns:a="http://schemas.openxmlformats.org/drawingml/2006/main" xmlns:r="http://schemas.openxmlformats.org/officeDocument/2006/relationships" xmlns:p="http://schemas.openxmlformats.org/presentationml/2006/main">
   <p:cSld>
     <p:spTree>
@@ -3790,45 +4543,53 @@
           <a:bodyPr/>
           <a:lstStyle/>
           <a:p>
+            <a:pPr marL="0" indent="0">
+              <a:buNone/>
+            </a:pPr>
             <a:r>
               <a:rPr lang="en-US" sz="1800" b="0" i="0" u="none" strike="noStrike" baseline="0" dirty="0">
                 <a:solidFill>
-                  <a:srgbClr val="211D1E"/>
-                </a:solidFill>
-                <a:latin typeface="Arial" panose="020B0604020202020204" pitchFamily="34" charset="0"/>
-                <a:cs typeface="Arial" panose="020B0604020202020204" pitchFamily="34" charset="0"/>
-              </a:rPr>
-              <a:t>1. Inspect all </a:t>
-            </a:r>
-            <a:r>
-              <a:rPr lang="en-US" sz="1800" b="0" i="0" u="none" strike="noStrike" baseline="0" dirty="0" err="1">
-                <a:solidFill>
-                  <a:srgbClr val="211D1E"/>
-                </a:solidFill>
-                <a:latin typeface="Arial" panose="020B0604020202020204" pitchFamily="34" charset="0"/>
-                <a:cs typeface="Arial" panose="020B0604020202020204" pitchFamily="34" charset="0"/>
-              </a:rPr>
-              <a:t>bellcranks</a:t>
+                  <a:srgbClr val="000000"/>
+                </a:solidFill>
+                <a:latin typeface="Times" panose="02020603050405020304" pitchFamily="18" charset="0"/>
+              </a:rPr>
+              <a:t>Perform operational test in accordance with operational </a:t>
             </a:r>
             <a:r>
               <a:rPr lang="en-US" sz="1800" b="0" i="0" u="none" strike="noStrike" baseline="0" dirty="0">
                 <a:solidFill>
-                  <a:srgbClr val="211D1E"/>
-                </a:solidFill>
-                <a:latin typeface="Arial" panose="020B0604020202020204" pitchFamily="34" charset="0"/>
-                <a:cs typeface="Arial" panose="020B0604020202020204" pitchFamily="34" charset="0"/>
-              </a:rPr>
-              <a:t> for looseness, cracks, or corrosion. (S.</a:t>
-            </a:r>
-            <a:r>
-              <a:rPr lang="de-DE" sz="1800" b="0" i="0" u="none" strike="noStrike" baseline="0" dirty="0">
-                <a:solidFill>
-                  <a:srgbClr val="211D1E"/>
-                </a:solidFill>
-                <a:latin typeface="Arial" panose="020B0604020202020204" pitchFamily="34" charset="0"/>
-                <a:cs typeface="Arial" panose="020B0604020202020204" pitchFamily="34" charset="0"/>
-              </a:rPr>
-              <a:t> 8-14 )</a:t>
+                  <a:srgbClr val="221E1F"/>
+                </a:solidFill>
+                <a:latin typeface="Times" panose="02020603050405020304" pitchFamily="18" charset="0"/>
+              </a:rPr>
+              <a:t>inspection of the applicable Maintenance </a:t>
+            </a:r>
+            <a:r>
+              <a:rPr lang="en-US" sz="1800" b="0" i="0" u="none" strike="noStrike" baseline="0" dirty="0">
+                <a:solidFill>
+                  <a:srgbClr val="221E1F"/>
+                </a:solidFill>
+                <a:highlight>
+                  <a:srgbClr val="FFFF00"/>
+                </a:highlight>
+                <a:latin typeface="Times" panose="02020603050405020304" pitchFamily="18" charset="0"/>
+              </a:rPr>
+              <a:t>Manual</a:t>
+            </a:r>
+            <a:r>
+              <a:rPr lang="en-US" sz="1800" b="0" i="0" u="none" strike="noStrike" baseline="0" dirty="0">
+                <a:solidFill>
+                  <a:srgbClr val="221E1F"/>
+                </a:solidFill>
+                <a:latin typeface="Times" panose="02020603050405020304" pitchFamily="18" charset="0"/>
+              </a:rPr>
+              <a:t>. </a:t>
+            </a:r>
+            <a:r>
+              <a:rPr lang="en-US" sz="1800" b="0" i="0" u="none" strike="noStrike" baseline="0" dirty="0">
+                <a:latin typeface="Times" panose="02020603050405020304" pitchFamily="18" charset="0"/>
+              </a:rPr>
+              <a:t>(S.8-21)</a:t>
             </a:r>
             <a:endParaRPr lang="de-DE" dirty="0">
               <a:latin typeface="Arial" panose="020B0604020202020204" pitchFamily="34" charset="0"/>
@@ -3837,6 +4598,36 @@
           </a:p>
         </p:txBody>
       </p:sp>
+      <p:pic>
+        <p:nvPicPr>
+          <p:cNvPr id="5" name="Grafik 4">
+            <a:extLst>
+              <a:ext uri="{FF2B5EF4-FFF2-40B4-BE49-F238E27FC236}">
+                <a16:creationId xmlns:a16="http://schemas.microsoft.com/office/drawing/2014/main" id="{B6BEED4B-BF82-47B9-284A-A5961070551D}"/>
+              </a:ext>
+            </a:extLst>
+          </p:cNvPr>
+          <p:cNvPicPr>
+            <a:picLocks noChangeAspect="1"/>
+          </p:cNvPicPr>
+          <p:nvPr/>
+        </p:nvPicPr>
+        <p:blipFill>
+          <a:blip r:embed="rId2"/>
+          <a:stretch>
+            <a:fillRect/>
+          </a:stretch>
+        </p:blipFill>
+        <p:spPr>
+          <a:xfrm>
+            <a:off x="1086942" y="3429000"/>
+            <a:ext cx="7097115" cy="781159"/>
+          </a:xfrm>
+          <a:prstGeom prst="rect">
+            <a:avLst/>
+          </a:prstGeom>
+        </p:spPr>
+      </p:pic>
     </p:spTree>
     <p:extLst>
       <p:ext uri="{BB962C8B-B14F-4D97-AF65-F5344CB8AC3E}">
@@ -3850,7 +4641,7 @@
 </p:sld>
 </file>
 
-<file path=ppt/slides/slide4.xml><?xml version="1.0" encoding="utf-8"?>
+<file path=ppt/slides/slide3.xml><?xml version="1.0" encoding="utf-8"?>
 <p:sld xmlns:a="http://schemas.openxmlformats.org/drawingml/2006/main" xmlns:r="http://schemas.openxmlformats.org/officeDocument/2006/relationships" xmlns:p="http://schemas.openxmlformats.org/presentationml/2006/main">
   <p:cSld>
     <p:spTree>
@@ -3935,53 +4726,83 @@
           <a:bodyPr/>
           <a:lstStyle/>
           <a:p>
+            <a:pPr marL="0" indent="0">
+              <a:buNone/>
+            </a:pPr>
             <a:r>
               <a:rPr lang="en-US" sz="1800" b="0" i="0" u="none" strike="noStrike" baseline="0" dirty="0">
                 <a:solidFill>
-                  <a:srgbClr val="211D1E"/>
-                </a:solidFill>
-                <a:latin typeface="Arial" panose="020B0604020202020204" pitchFamily="34" charset="0"/>
-                <a:cs typeface="Arial" panose="020B0604020202020204" pitchFamily="34" charset="0"/>
-              </a:rPr>
-              <a:t>1. Inspect all </a:t>
-            </a:r>
-            <a:r>
-              <a:rPr lang="en-US" sz="1800" b="0" i="0" u="none" strike="noStrike" baseline="0" dirty="0" err="1">
-                <a:solidFill>
-                  <a:srgbClr val="211D1E"/>
-                </a:solidFill>
-                <a:latin typeface="Arial" panose="020B0604020202020204" pitchFamily="34" charset="0"/>
-                <a:cs typeface="Arial" panose="020B0604020202020204" pitchFamily="34" charset="0"/>
-              </a:rPr>
-              <a:t>bellcranks</a:t>
+                  <a:srgbClr val="221E1F"/>
+                </a:solidFill>
+                <a:latin typeface="Times" panose="02020603050405020304" pitchFamily="18" charset="0"/>
+              </a:rPr>
+              <a:t>After locking the cable drum into position with the locking pin, </a:t>
             </a:r>
             <a:r>
               <a:rPr lang="en-US" sz="1800" b="0" i="0" u="none" strike="noStrike" baseline="0" dirty="0">
                 <a:solidFill>
-                  <a:srgbClr val="211D1E"/>
-                </a:solidFill>
-                <a:latin typeface="Arial" panose="020B0604020202020204" pitchFamily="34" charset="0"/>
-                <a:cs typeface="Arial" panose="020B0604020202020204" pitchFamily="34" charset="0"/>
-              </a:rPr>
-              <a:t> for looseness, cracks, or corrosion. (S.</a:t>
-            </a:r>
-            <a:r>
-              <a:rPr lang="de-DE" sz="1800" b="0" i="0" u="none" strike="noStrike" baseline="0" dirty="0">
-                <a:solidFill>
-                  <a:srgbClr val="211D1E"/>
-                </a:solidFill>
-                <a:latin typeface="Arial" panose="020B0604020202020204" pitchFamily="34" charset="0"/>
-                <a:cs typeface="Arial" panose="020B0604020202020204" pitchFamily="34" charset="0"/>
-              </a:rPr>
-              <a:t> 8-14 )</a:t>
-            </a:r>
-            <a:endParaRPr lang="de-DE" dirty="0">
-              <a:latin typeface="Arial" panose="020B0604020202020204" pitchFamily="34" charset="0"/>
-              <a:cs typeface="Arial" panose="020B0604020202020204" pitchFamily="34" charset="0"/>
+                  <a:srgbClr val="221E1F"/>
+                </a:solidFill>
+                <a:highlight>
+                  <a:srgbClr val="FFFF00"/>
+                </a:highlight>
+                <a:latin typeface="Times" panose="02020603050405020304" pitchFamily="18" charset="0"/>
+              </a:rPr>
+              <a:t>adjust</a:t>
+            </a:r>
+            <a:r>
+              <a:rPr lang="en-US" sz="1800" b="0" i="0" u="none" strike="noStrike" baseline="0" dirty="0">
+                <a:solidFill>
+                  <a:srgbClr val="221E1F"/>
+                </a:solidFill>
+                <a:latin typeface="Times" panose="02020603050405020304" pitchFamily="18" charset="0"/>
+              </a:rPr>
+              <a:t> the control rod to a specified length. (S. 8-11)</a:t>
+            </a:r>
+          </a:p>
+          <a:p>
+            <a:pPr>
+              <a:buNone/>
+            </a:pPr>
+            <a:endParaRPr lang="en-US" sz="1800" dirty="0">
+              <a:solidFill>
+                <a:srgbClr val="221E1F"/>
+              </a:solidFill>
+              <a:latin typeface="Times" panose="02020603050405020304" pitchFamily="18" charset="0"/>
             </a:endParaRPr>
           </a:p>
         </p:txBody>
       </p:sp>
+      <p:pic>
+        <p:nvPicPr>
+          <p:cNvPr id="5" name="Grafik 4">
+            <a:extLst>
+              <a:ext uri="{FF2B5EF4-FFF2-40B4-BE49-F238E27FC236}">
+                <a16:creationId xmlns:a16="http://schemas.microsoft.com/office/drawing/2014/main" id="{5DE7A309-0ED5-BA9D-698A-73B25FC076EE}"/>
+              </a:ext>
+            </a:extLst>
+          </p:cNvPr>
+          <p:cNvPicPr>
+            <a:picLocks noChangeAspect="1"/>
+          </p:cNvPicPr>
+          <p:nvPr/>
+        </p:nvPicPr>
+        <p:blipFill>
+          <a:blip r:embed="rId2"/>
+          <a:stretch>
+            <a:fillRect/>
+          </a:stretch>
+        </p:blipFill>
+        <p:spPr>
+          <a:xfrm>
+            <a:off x="893034" y="3590074"/>
+            <a:ext cx="7401958" cy="1571844"/>
+          </a:xfrm>
+          <a:prstGeom prst="rect">
+            <a:avLst/>
+          </a:prstGeom>
+        </p:spPr>
+      </p:pic>
     </p:spTree>
     <p:extLst>
       <p:ext uri="{BB962C8B-B14F-4D97-AF65-F5344CB8AC3E}">
@@ -3995,7 +4816,7 @@
 </p:sld>
 </file>
 
-<file path=ppt/slides/slide5.xml><?xml version="1.0" encoding="utf-8"?>
+<file path=ppt/slides/slide4.xml><?xml version="1.0" encoding="utf-8"?>
 <p:sld xmlns:a="http://schemas.openxmlformats.org/drawingml/2006/main" xmlns:r="http://schemas.openxmlformats.org/officeDocument/2006/relationships" xmlns:p="http://schemas.openxmlformats.org/presentationml/2006/main">
   <p:cSld>
     <p:spTree>
@@ -4088,37 +4909,57 @@
                 <a:latin typeface="Arial" panose="020B0604020202020204" pitchFamily="34" charset="0"/>
                 <a:cs typeface="Arial" panose="020B0604020202020204" pitchFamily="34" charset="0"/>
               </a:rPr>
-              <a:t>1. Inspect all </a:t>
-            </a:r>
-            <a:r>
-              <a:rPr lang="en-US" sz="1800" b="0" i="0" u="none" strike="noStrike" baseline="0" dirty="0" err="1">
+              <a:t>1. </a:t>
+            </a:r>
+            <a:r>
+              <a:rPr lang="en-US" sz="1800" b="0" i="0" u="none" strike="noStrike" baseline="0" dirty="0">
+                <a:solidFill>
+                  <a:srgbClr val="221E1F"/>
+                </a:solidFill>
+                <a:latin typeface="Times" panose="02020603050405020304" pitchFamily="18" charset="0"/>
+              </a:rPr>
+              <a:t>When an engine has been idle for an extended period of time, its </a:t>
+            </a:r>
+            <a:r>
+              <a:rPr lang="en-US" sz="1800" b="0" i="0" u="none" strike="noStrike" baseline="0" dirty="0">
+                <a:solidFill>
+                  <a:srgbClr val="221E1F"/>
+                </a:solidFill>
+                <a:highlight>
+                  <a:srgbClr val="FFFF00"/>
+                </a:highlight>
+                <a:latin typeface="Times" panose="02020603050405020304" pitchFamily="18" charset="0"/>
+              </a:rPr>
+              <a:t>internal</a:t>
+            </a:r>
+            <a:r>
+              <a:rPr lang="en-US" sz="1800" b="0" i="0" u="none" strike="noStrike" baseline="0" dirty="0">
+                <a:solidFill>
+                  <a:srgbClr val="221E1F"/>
+                </a:solidFill>
+                <a:latin typeface="Times" panose="02020603050405020304" pitchFamily="18" charset="0"/>
+              </a:rPr>
+              <a:t> bearing surfaces are likely to become dry at points where the corrosion-preventive mixture has dried out or drained away from the bearings. </a:t>
+            </a:r>
+            <a:r>
+              <a:rPr lang="en-US" sz="1800" b="0" i="0" u="none" strike="noStrike" baseline="0" dirty="0">
                 <a:solidFill>
                   <a:srgbClr val="211D1E"/>
                 </a:solidFill>
                 <a:latin typeface="Arial" panose="020B0604020202020204" pitchFamily="34" charset="0"/>
                 <a:cs typeface="Arial" panose="020B0604020202020204" pitchFamily="34" charset="0"/>
               </a:rPr>
-              <a:t>bellcranks</a:t>
-            </a:r>
-            <a:r>
-              <a:rPr lang="en-US" sz="1800" b="0" i="0" u="none" strike="noStrike" baseline="0" dirty="0">
+              <a:t>(S.</a:t>
+            </a:r>
+            <a:r>
+              <a:rPr lang="de-DE" sz="1800" b="0" i="0" u="none" strike="noStrike" baseline="0" dirty="0">
                 <a:solidFill>
                   <a:srgbClr val="211D1E"/>
                 </a:solidFill>
                 <a:latin typeface="Arial" panose="020B0604020202020204" pitchFamily="34" charset="0"/>
                 <a:cs typeface="Arial" panose="020B0604020202020204" pitchFamily="34" charset="0"/>
               </a:rPr>
-              <a:t> for looseness, cracks, or corrosion. (S.</a:t>
-            </a:r>
-            <a:r>
-              <a:rPr lang="de-DE" sz="1800" b="0" i="0" u="none" strike="noStrike" baseline="0" dirty="0">
-                <a:solidFill>
-                  <a:srgbClr val="211D1E"/>
-                </a:solidFill>
-                <a:latin typeface="Arial" panose="020B0604020202020204" pitchFamily="34" charset="0"/>
-                <a:cs typeface="Arial" panose="020B0604020202020204" pitchFamily="34" charset="0"/>
-              </a:rPr>
-              <a:t> 8-14 )</a:t>
+              <a:t> 8-13 )</a:t>
             </a:r>
             <a:endParaRPr lang="de-DE" dirty="0">
               <a:latin typeface="Arial" panose="020B0604020202020204" pitchFamily="34" charset="0"/>
@@ -4127,6 +4968,36 @@
           </a:p>
         </p:txBody>
       </p:sp>
+      <p:pic>
+        <p:nvPicPr>
+          <p:cNvPr id="5" name="Grafik 4">
+            <a:extLst>
+              <a:ext uri="{FF2B5EF4-FFF2-40B4-BE49-F238E27FC236}">
+                <a16:creationId xmlns:a16="http://schemas.microsoft.com/office/drawing/2014/main" id="{ED2CDA2A-6259-5212-FD1A-BD6EA934CEC4}"/>
+              </a:ext>
+            </a:extLst>
+          </p:cNvPr>
+          <p:cNvPicPr>
+            <a:picLocks noChangeAspect="1"/>
+          </p:cNvPicPr>
+          <p:nvPr/>
+        </p:nvPicPr>
+        <p:blipFill>
+          <a:blip r:embed="rId2"/>
+          <a:stretch>
+            <a:fillRect/>
+          </a:stretch>
+        </p:blipFill>
+        <p:spPr>
+          <a:xfrm>
+            <a:off x="1865652" y="3989440"/>
+            <a:ext cx="7268589" cy="762106"/>
+          </a:xfrm>
+          <a:prstGeom prst="rect">
+            <a:avLst/>
+          </a:prstGeom>
+        </p:spPr>
+      </p:pic>
     </p:spTree>
     <p:extLst>
       <p:ext uri="{BB962C8B-B14F-4D97-AF65-F5344CB8AC3E}">
@@ -4140,7 +5011,7 @@
 </p:sld>
 </file>
 
-<file path=ppt/slides/slide6.xml><?xml version="1.0" encoding="utf-8"?>
+<file path=ppt/slides/slide5.xml><?xml version="1.0" encoding="utf-8"?>
 <p:sld xmlns:a="http://schemas.openxmlformats.org/drawingml/2006/main" xmlns:r="http://schemas.openxmlformats.org/officeDocument/2006/relationships" xmlns:p="http://schemas.openxmlformats.org/presentationml/2006/main">
   <p:cSld>
     <p:spTree>
@@ -4225,6 +5096,39 @@
           <a:bodyPr/>
           <a:lstStyle/>
           <a:p>
+            <a:pPr marL="0" indent="0">
+              <a:buNone/>
+            </a:pPr>
+            <a:r>
+              <a:rPr lang="en-US" sz="1800" b="0" i="0" u="none" strike="noStrike" baseline="0" dirty="0">
+                <a:solidFill>
+                  <a:srgbClr val="221E1F"/>
+                </a:solidFill>
+                <a:latin typeface="Times" panose="02020603050405020304" pitchFamily="18" charset="0"/>
+              </a:rPr>
+              <a:t>After the engine has been completely installed and connected, install the propeller on the </a:t>
+            </a:r>
+            <a:r>
+              <a:rPr lang="en-US" sz="1800" b="0" i="0" u="none" strike="noStrike" baseline="0" dirty="0">
+                <a:solidFill>
+                  <a:srgbClr val="221E1F"/>
+                </a:solidFill>
+                <a:highlight>
+                  <a:srgbClr val="FFFF00"/>
+                </a:highlight>
+                <a:latin typeface="Times" panose="02020603050405020304" pitchFamily="18" charset="0"/>
+              </a:rPr>
+              <a:t>aircraft</a:t>
+            </a:r>
+            <a:r>
+              <a:rPr lang="en-US" sz="1800" b="0" i="0" u="none" strike="noStrike" baseline="0" dirty="0">
+                <a:solidFill>
+                  <a:srgbClr val="221E1F"/>
+                </a:solidFill>
+                <a:latin typeface="Times" panose="02020603050405020304" pitchFamily="18" charset="0"/>
+              </a:rPr>
+              <a:t>.</a:t>
+            </a:r>
             <a:r>
               <a:rPr lang="en-US" sz="1800" b="0" i="0" u="none" strike="noStrike" baseline="0" dirty="0">
                 <a:solidFill>
@@ -4233,45 +5137,51 @@
                 <a:latin typeface="Arial" panose="020B0604020202020204" pitchFamily="34" charset="0"/>
                 <a:cs typeface="Arial" panose="020B0604020202020204" pitchFamily="34" charset="0"/>
               </a:rPr>
-              <a:t>1. Inspect all </a:t>
-            </a:r>
-            <a:r>
-              <a:rPr lang="en-US" sz="1800" b="0" i="0" u="none" strike="noStrike" baseline="0" dirty="0" err="1">
+              <a:t> (S.</a:t>
+            </a:r>
+            <a:r>
+              <a:rPr lang="de-DE" sz="1800" b="0" i="0" u="none" strike="noStrike" baseline="0" dirty="0">
                 <a:solidFill>
                   <a:srgbClr val="211D1E"/>
                 </a:solidFill>
                 <a:latin typeface="Arial" panose="020B0604020202020204" pitchFamily="34" charset="0"/>
                 <a:cs typeface="Arial" panose="020B0604020202020204" pitchFamily="34" charset="0"/>
               </a:rPr>
-              <a:t>bellcranks</a:t>
-            </a:r>
-            <a:r>
-              <a:rPr lang="en-US" sz="1800" b="0" i="0" u="none" strike="noStrike" baseline="0" dirty="0">
-                <a:solidFill>
-                  <a:srgbClr val="211D1E"/>
-                </a:solidFill>
-                <a:latin typeface="Arial" panose="020B0604020202020204" pitchFamily="34" charset="0"/>
-                <a:cs typeface="Arial" panose="020B0604020202020204" pitchFamily="34" charset="0"/>
-              </a:rPr>
-              <a:t> for looseness, cracks, or corrosion. (S.</a:t>
-            </a:r>
-            <a:r>
-              <a:rPr lang="de-DE" sz="1800" b="0" i="0" u="none" strike="noStrike" baseline="0" dirty="0">
-                <a:solidFill>
-                  <a:srgbClr val="211D1E"/>
-                </a:solidFill>
-                <a:latin typeface="Arial" panose="020B0604020202020204" pitchFamily="34" charset="0"/>
-                <a:cs typeface="Arial" panose="020B0604020202020204" pitchFamily="34" charset="0"/>
-              </a:rPr>
-              <a:t> 8-14 )</a:t>
-            </a:r>
-            <a:endParaRPr lang="de-DE" dirty="0">
-              <a:latin typeface="Arial" panose="020B0604020202020204" pitchFamily="34" charset="0"/>
-              <a:cs typeface="Arial" panose="020B0604020202020204" pitchFamily="34" charset="0"/>
-            </a:endParaRPr>
-          </a:p>
-        </p:txBody>
-      </p:sp>
+              <a:t> 8-13 )</a:t>
+            </a:r>
+          </a:p>
+        </p:txBody>
+      </p:sp>
+      <p:pic>
+        <p:nvPicPr>
+          <p:cNvPr id="5" name="Grafik 4">
+            <a:extLst>
+              <a:ext uri="{FF2B5EF4-FFF2-40B4-BE49-F238E27FC236}">
+                <a16:creationId xmlns:a16="http://schemas.microsoft.com/office/drawing/2014/main" id="{17386CD5-43F3-5E2E-894D-EF2D056E613C}"/>
+              </a:ext>
+            </a:extLst>
+          </p:cNvPr>
+          <p:cNvPicPr>
+            <a:picLocks noChangeAspect="1"/>
+          </p:cNvPicPr>
+          <p:nvPr/>
+        </p:nvPicPr>
+        <p:blipFill>
+          <a:blip r:embed="rId2"/>
+          <a:stretch>
+            <a:fillRect/>
+          </a:stretch>
+        </p:blipFill>
+        <p:spPr>
+          <a:xfrm>
+            <a:off x="775145" y="3429000"/>
+            <a:ext cx="7268589" cy="771633"/>
+          </a:xfrm>
+          <a:prstGeom prst="rect">
+            <a:avLst/>
+          </a:prstGeom>
+        </p:spPr>
+      </p:pic>
     </p:spTree>
     <p:extLst>
       <p:ext uri="{BB962C8B-B14F-4D97-AF65-F5344CB8AC3E}">
@@ -4285,7 +5195,7 @@
 </p:sld>
 </file>
 
-<file path=ppt/slides/slide7.xml><?xml version="1.0" encoding="utf-8"?>
+<file path=ppt/slides/slide6.xml><?xml version="1.0" encoding="utf-8"?>
 <p:sld xmlns:a="http://schemas.openxmlformats.org/drawingml/2006/main" xmlns:r="http://schemas.openxmlformats.org/officeDocument/2006/relationships" xmlns:p="http://schemas.openxmlformats.org/presentationml/2006/main">
   <p:cSld>
     <p:spTree>
@@ -4377,6 +5287,39 @@
           <a:bodyPr/>
           <a:lstStyle/>
           <a:p>
+            <a:pPr marL="0" indent="0">
+              <a:buNone/>
+            </a:pPr>
+            <a:r>
+              <a:rPr lang="en-US" sz="1800" b="0" i="0" u="none" strike="noStrike" baseline="0" dirty="0">
+                <a:solidFill>
+                  <a:srgbClr val="221E1F"/>
+                </a:solidFill>
+                <a:latin typeface="Times" panose="02020603050405020304" pitchFamily="18" charset="0"/>
+              </a:rPr>
+              <a:t>When the basic engine is being removed, the electrical leads to such accessories as the </a:t>
+            </a:r>
+            <a:r>
+              <a:rPr lang="en-US" sz="1800" b="0" i="0" u="none" strike="noStrike" baseline="0" dirty="0">
+                <a:solidFill>
+                  <a:srgbClr val="221E1F"/>
+                </a:solidFill>
+                <a:highlight>
+                  <a:srgbClr val="FFFF00"/>
+                </a:highlight>
+                <a:latin typeface="Times" panose="02020603050405020304" pitchFamily="18" charset="0"/>
+              </a:rPr>
+              <a:t>starter</a:t>
+            </a:r>
+            <a:r>
+              <a:rPr lang="en-US" sz="1800" b="0" i="0" u="none" strike="noStrike" baseline="0" dirty="0">
+                <a:solidFill>
+                  <a:srgbClr val="221E1F"/>
+                </a:solidFill>
+                <a:latin typeface="Times" panose="02020603050405020304" pitchFamily="18" charset="0"/>
+              </a:rPr>
+              <a:t> and generators are disconnected at the units themselves. </a:t>
+            </a:r>
             <a:r>
               <a:rPr lang="en-US" sz="1800" b="0" i="0" u="none" strike="noStrike" baseline="0" dirty="0">
                 <a:solidFill>
@@ -4385,37 +5328,17 @@
                 <a:latin typeface="Arial" panose="020B0604020202020204" pitchFamily="34" charset="0"/>
                 <a:cs typeface="Arial" panose="020B0604020202020204" pitchFamily="34" charset="0"/>
               </a:rPr>
-              <a:t>1. Inspect all </a:t>
-            </a:r>
-            <a:r>
-              <a:rPr lang="en-US" sz="1800" b="0" i="0" u="none" strike="noStrike" baseline="0" dirty="0" err="1">
+              <a:t>(S.</a:t>
+            </a:r>
+            <a:r>
+              <a:rPr lang="de-DE" sz="1800" b="0" i="0" u="none" strike="noStrike" baseline="0" dirty="0">
                 <a:solidFill>
                   <a:srgbClr val="211D1E"/>
                 </a:solidFill>
                 <a:latin typeface="Arial" panose="020B0604020202020204" pitchFamily="34" charset="0"/>
                 <a:cs typeface="Arial" panose="020B0604020202020204" pitchFamily="34" charset="0"/>
               </a:rPr>
-              <a:t>bellcranks</a:t>
-            </a:r>
-            <a:r>
-              <a:rPr lang="en-US" sz="1800" b="0" i="0" u="none" strike="noStrike" baseline="0" dirty="0">
-                <a:solidFill>
-                  <a:srgbClr val="211D1E"/>
-                </a:solidFill>
-                <a:latin typeface="Arial" panose="020B0604020202020204" pitchFamily="34" charset="0"/>
-                <a:cs typeface="Arial" panose="020B0604020202020204" pitchFamily="34" charset="0"/>
-              </a:rPr>
-              <a:t> for looseness, cracks, or corrosion. (S.</a:t>
-            </a:r>
-            <a:r>
-              <a:rPr lang="de-DE" sz="1800" b="0" i="0" u="none" strike="noStrike" baseline="0" dirty="0">
-                <a:solidFill>
-                  <a:srgbClr val="211D1E"/>
-                </a:solidFill>
-                <a:latin typeface="Arial" panose="020B0604020202020204" pitchFamily="34" charset="0"/>
-                <a:cs typeface="Arial" panose="020B0604020202020204" pitchFamily="34" charset="0"/>
-              </a:rPr>
-              <a:t> 8-14 )</a:t>
+              <a:t> 8-7)</a:t>
             </a:r>
             <a:endParaRPr lang="de-DE" dirty="0">
               <a:latin typeface="Arial" panose="020B0604020202020204" pitchFamily="34" charset="0"/>
@@ -4437,7 +5360,7 @@
 </p:sld>
 </file>
 
-<file path=ppt/slides/slide8.xml><?xml version="1.0" encoding="utf-8"?>
+<file path=ppt/slides/slide7.xml><?xml version="1.0" encoding="utf-8"?>
 <p:sld xmlns:a="http://schemas.openxmlformats.org/drawingml/2006/main" xmlns:r="http://schemas.openxmlformats.org/officeDocument/2006/relationships" xmlns:p="http://schemas.openxmlformats.org/presentationml/2006/main">
   <p:cSld>
     <p:spTree>
@@ -4522,6 +5445,39 @@
           <a:bodyPr/>
           <a:lstStyle/>
           <a:p>
+            <a:pPr marL="0" indent="0">
+              <a:buNone/>
+            </a:pPr>
+            <a:r>
+              <a:rPr lang="en-US" sz="1800" b="0" i="0" u="none" strike="noStrike" baseline="0" dirty="0">
+                <a:solidFill>
+                  <a:srgbClr val="221E1F"/>
+                </a:solidFill>
+                <a:latin typeface="Times" panose="02020603050405020304" pitchFamily="18" charset="0"/>
+              </a:rPr>
+              <a:t>Inspect the complete engine nacelle for condition of the framework and the sheet-metal cowling and </a:t>
+            </a:r>
+            <a:r>
+              <a:rPr lang="en-US" sz="1800" b="0" i="0" u="none" strike="noStrike" baseline="0" dirty="0">
+                <a:solidFill>
+                  <a:srgbClr val="221E1F"/>
+                </a:solidFill>
+                <a:highlight>
+                  <a:srgbClr val="FFFF00"/>
+                </a:highlight>
+                <a:latin typeface="Times" panose="02020603050405020304" pitchFamily="18" charset="0"/>
+              </a:rPr>
+              <a:t>riveted</a:t>
+            </a:r>
+            <a:r>
+              <a:rPr lang="en-US" sz="1800" b="0" i="0" u="none" strike="noStrike" baseline="0" dirty="0">
+                <a:solidFill>
+                  <a:srgbClr val="221E1F"/>
+                </a:solidFill>
+                <a:latin typeface="Times" panose="02020603050405020304" pitchFamily="18" charset="0"/>
+              </a:rPr>
+              <a:t> plates that cover the nacelle.</a:t>
+            </a:r>
             <a:r>
               <a:rPr lang="en-US" sz="1800" b="0" i="0" u="none" strike="noStrike" baseline="0" dirty="0">
                 <a:solidFill>
@@ -4530,42 +5486,18 @@
                 <a:latin typeface="Arial" panose="020B0604020202020204" pitchFamily="34" charset="0"/>
                 <a:cs typeface="Arial" panose="020B0604020202020204" pitchFamily="34" charset="0"/>
               </a:rPr>
-              <a:t>1. Inspect all </a:t>
-            </a:r>
-            <a:r>
-              <a:rPr lang="en-US" sz="1800" b="0" i="0" u="none" strike="noStrike" baseline="0" dirty="0" err="1">
+              <a:t>(S.</a:t>
+            </a:r>
+            <a:r>
+              <a:rPr lang="de-DE" sz="1800" b="0" i="0" u="none" strike="noStrike" baseline="0" dirty="0">
                 <a:solidFill>
                   <a:srgbClr val="211D1E"/>
                 </a:solidFill>
                 <a:latin typeface="Arial" panose="020B0604020202020204" pitchFamily="34" charset="0"/>
                 <a:cs typeface="Arial" panose="020B0604020202020204" pitchFamily="34" charset="0"/>
               </a:rPr>
-              <a:t>bellcranks</a:t>
-            </a:r>
-            <a:r>
-              <a:rPr lang="en-US" sz="1800" b="0" i="0" u="none" strike="noStrike" baseline="0" dirty="0">
-                <a:solidFill>
-                  <a:srgbClr val="211D1E"/>
-                </a:solidFill>
-                <a:latin typeface="Arial" panose="020B0604020202020204" pitchFamily="34" charset="0"/>
-                <a:cs typeface="Arial" panose="020B0604020202020204" pitchFamily="34" charset="0"/>
-              </a:rPr>
-              <a:t> for looseness, cracks, or corrosion. (S.</a:t>
-            </a:r>
-            <a:r>
-              <a:rPr lang="de-DE" sz="1800" b="0" i="0" u="none" strike="noStrike" baseline="0" dirty="0">
-                <a:solidFill>
-                  <a:srgbClr val="211D1E"/>
-                </a:solidFill>
-                <a:latin typeface="Arial" panose="020B0604020202020204" pitchFamily="34" charset="0"/>
-                <a:cs typeface="Arial" panose="020B0604020202020204" pitchFamily="34" charset="0"/>
-              </a:rPr>
-              <a:t> 8-14 )</a:t>
-            </a:r>
-            <a:endParaRPr lang="de-DE" dirty="0">
-              <a:latin typeface="Arial" panose="020B0604020202020204" pitchFamily="34" charset="0"/>
-              <a:cs typeface="Arial" panose="020B0604020202020204" pitchFamily="34" charset="0"/>
-            </a:endParaRPr>
+              <a:t> 8-6 )</a:t>
+            </a:r>
           </a:p>
         </p:txBody>
       </p:sp>
@@ -4582,7 +5514,7 @@
 </p:sld>
 </file>
 
-<file path=ppt/slides/slide9.xml><?xml version="1.0" encoding="utf-8"?>
+<file path=ppt/slides/slide8.xml><?xml version="1.0" encoding="utf-8"?>
 <p:sld xmlns:a="http://schemas.openxmlformats.org/drawingml/2006/main" xmlns:r="http://schemas.openxmlformats.org/officeDocument/2006/relationships" xmlns:p="http://schemas.openxmlformats.org/presentationml/2006/main">
   <p:cSld>
     <p:spTree>
@@ -4667,6 +5599,57 @@
           <a:bodyPr/>
           <a:lstStyle/>
           <a:p>
+            <a:pPr marL="0" indent="0">
+              <a:buNone/>
+            </a:pPr>
+            <a:r>
+              <a:rPr lang="en-US" sz="1800" b="0" i="0" u="none" strike="noStrike" baseline="0" dirty="0">
+                <a:solidFill>
+                  <a:srgbClr val="221E1F"/>
+                </a:solidFill>
+                <a:latin typeface="Times" panose="02020603050405020304" pitchFamily="18" charset="0"/>
+              </a:rPr>
+              <a:t>The procedures for preserving and </a:t>
+            </a:r>
+            <a:r>
+              <a:rPr lang="en-US" sz="1800" b="0" i="0" u="none" strike="noStrike" baseline="0" dirty="0" err="1">
+                <a:solidFill>
+                  <a:srgbClr val="221E1F"/>
+                </a:solidFill>
+                <a:latin typeface="Times" panose="02020603050405020304" pitchFamily="18" charset="0"/>
+              </a:rPr>
+              <a:t>depreserving</a:t>
+            </a:r>
+            <a:r>
+              <a:rPr lang="en-US" sz="1800" b="0" i="0" u="none" strike="noStrike" baseline="0" dirty="0">
+                <a:solidFill>
+                  <a:srgbClr val="221E1F"/>
+                </a:solidFill>
+                <a:latin typeface="Times" panose="02020603050405020304" pitchFamily="18" charset="0"/>
+              </a:rPr>
+              <a:t> </a:t>
+            </a:r>
+            <a:r>
+              <a:rPr lang="en-US" sz="1800" b="0" i="0" u="none" strike="noStrike" baseline="0" dirty="0">
+                <a:solidFill>
+                  <a:srgbClr val="221E1F"/>
+                </a:solidFill>
+                <a:highlight>
+                  <a:srgbClr val="FFFF00"/>
+                </a:highlight>
+                <a:latin typeface="Times" panose="02020603050405020304" pitchFamily="18" charset="0"/>
+              </a:rPr>
+              <a:t>gas turbine engines</a:t>
+            </a:r>
+            <a:r>
+              <a:rPr lang="en-US" sz="1800" b="0" i="0" u="none" strike="noStrike" baseline="0" dirty="0">
+                <a:solidFill>
+                  <a:srgbClr val="221E1F"/>
+                </a:solidFill>
+                <a:latin typeface="Times" panose="02020603050405020304" pitchFamily="18" charset="0"/>
+              </a:rPr>
+              <a:t> vary depending upon the length of inactivity […]</a:t>
+            </a:r>
             <a:r>
               <a:rPr lang="en-US" sz="1800" b="0" i="0" u="none" strike="noStrike" baseline="0" dirty="0">
                 <a:solidFill>
@@ -4675,27 +5658,27 @@
                 <a:latin typeface="Arial" panose="020B0604020202020204" pitchFamily="34" charset="0"/>
                 <a:cs typeface="Arial" panose="020B0604020202020204" pitchFamily="34" charset="0"/>
               </a:rPr>
-              <a:t>1. Inspect all </a:t>
-            </a:r>
-            <a:r>
-              <a:rPr lang="en-US" sz="1800" b="0" i="0" u="none" strike="noStrike" baseline="0" dirty="0" err="1">
+              <a:t>(S.</a:t>
+            </a:r>
+            <a:r>
+              <a:rPr lang="de-DE" sz="1800" b="0" i="0" u="none" strike="noStrike" baseline="0" dirty="0">
                 <a:solidFill>
                   <a:srgbClr val="211D1E"/>
                 </a:solidFill>
                 <a:latin typeface="Arial" panose="020B0604020202020204" pitchFamily="34" charset="0"/>
                 <a:cs typeface="Arial" panose="020B0604020202020204" pitchFamily="34" charset="0"/>
               </a:rPr>
-              <a:t>bellcranks</a:t>
-            </a:r>
-            <a:r>
-              <a:rPr lang="en-US" sz="1800" b="0" i="0" u="none" strike="noStrike" baseline="0" dirty="0">
+              <a:t> 8-</a:t>
+            </a:r>
+            <a:r>
+              <a:rPr lang="de-DE" sz="1800" dirty="0">
                 <a:solidFill>
                   <a:srgbClr val="211D1E"/>
                 </a:solidFill>
                 <a:latin typeface="Arial" panose="020B0604020202020204" pitchFamily="34" charset="0"/>
                 <a:cs typeface="Arial" panose="020B0604020202020204" pitchFamily="34" charset="0"/>
               </a:rPr>
-              <a:t> for looseness, cracks, or corrosion. (S.</a:t>
+              <a:t>22</a:t>
             </a:r>
             <a:r>
               <a:rPr lang="de-DE" sz="1800" b="0" i="0" u="none" strike="noStrike" baseline="0" dirty="0">
@@ -4705,7 +5688,7 @@
                 <a:latin typeface="Arial" panose="020B0604020202020204" pitchFamily="34" charset="0"/>
                 <a:cs typeface="Arial" panose="020B0604020202020204" pitchFamily="34" charset="0"/>
               </a:rPr>
-              <a:t> 8-14 )</a:t>
+              <a:t>)</a:t>
             </a:r>
             <a:endParaRPr lang="de-DE" dirty="0">
               <a:latin typeface="Arial" panose="020B0604020202020204" pitchFamily="34" charset="0"/>
@@ -4714,10 +5697,194 @@
           </a:p>
         </p:txBody>
       </p:sp>
+      <p:pic>
+        <p:nvPicPr>
+          <p:cNvPr id="5" name="Grafik 4">
+            <a:extLst>
+              <a:ext uri="{FF2B5EF4-FFF2-40B4-BE49-F238E27FC236}">
+                <a16:creationId xmlns:a16="http://schemas.microsoft.com/office/drawing/2014/main" id="{B46A393C-31D4-618E-0BC2-056833113A6B}"/>
+              </a:ext>
+            </a:extLst>
+          </p:cNvPr>
+          <p:cNvPicPr>
+            <a:picLocks noChangeAspect="1"/>
+          </p:cNvPicPr>
+          <p:nvPr/>
+        </p:nvPicPr>
+        <p:blipFill>
+          <a:blip r:embed="rId2"/>
+          <a:stretch>
+            <a:fillRect/>
+          </a:stretch>
+        </p:blipFill>
+        <p:spPr>
+          <a:xfrm>
+            <a:off x="838200" y="3429000"/>
+            <a:ext cx="5118565" cy="1382926"/>
+          </a:xfrm>
+          <a:prstGeom prst="rect">
+            <a:avLst/>
+          </a:prstGeom>
+        </p:spPr>
+      </p:pic>
     </p:spTree>
     <p:extLst>
       <p:ext uri="{BB962C8B-B14F-4D97-AF65-F5344CB8AC3E}">
         <p14:creationId xmlns:p14="http://schemas.microsoft.com/office/powerpoint/2010/main" val="1838097636"/>
+      </p:ext>
+    </p:extLst>
+  </p:cSld>
+  <p:clrMapOvr>
+    <a:masterClrMapping/>
+  </p:clrMapOvr>
+</p:sld>
+</file>
+
+<file path=ppt/slides/slide9.xml><?xml version="1.0" encoding="utf-8"?>
+<p:sld xmlns:a="http://schemas.openxmlformats.org/drawingml/2006/main" xmlns:r="http://schemas.openxmlformats.org/officeDocument/2006/relationships" xmlns:p="http://schemas.openxmlformats.org/presentationml/2006/main">
+  <p:cSld>
+    <p:spTree>
+      <p:nvGrpSpPr>
+        <p:cNvPr id="1" name="">
+          <a:extLst>
+            <a:ext uri="{FF2B5EF4-FFF2-40B4-BE49-F238E27FC236}">
+              <a16:creationId xmlns:a16="http://schemas.microsoft.com/office/drawing/2014/main" id="{D59F3F60-821E-C1FA-8ECA-DCB85EDDC529}"/>
+            </a:ext>
+          </a:extLst>
+        </p:cNvPr>
+        <p:cNvGrpSpPr/>
+        <p:nvPr/>
+      </p:nvGrpSpPr>
+      <p:grpSpPr>
+        <a:xfrm>
+          <a:off x="0" y="0"/>
+          <a:ext cx="0" cy="0"/>
+          <a:chOff x="0" y="0"/>
+          <a:chExt cx="0" cy="0"/>
+        </a:xfrm>
+      </p:grpSpPr>
+      <p:sp>
+        <p:nvSpPr>
+          <p:cNvPr id="2" name="Titel 1">
+            <a:extLst>
+              <a:ext uri="{FF2B5EF4-FFF2-40B4-BE49-F238E27FC236}">
+                <a16:creationId xmlns:a16="http://schemas.microsoft.com/office/drawing/2014/main" id="{E1FAF285-61C9-7D30-BDF4-DA21381372CE}"/>
+              </a:ext>
+            </a:extLst>
+          </p:cNvPr>
+          <p:cNvSpPr>
+            <a:spLocks noGrp="1"/>
+          </p:cNvSpPr>
+          <p:nvPr>
+            <p:ph type="title"/>
+          </p:nvPr>
+        </p:nvSpPr>
+        <p:spPr>
+          <a:xfrm>
+            <a:off x="838200" y="348500"/>
+            <a:ext cx="10515600" cy="1325563"/>
+          </a:xfrm>
+        </p:spPr>
+        <p:txBody>
+          <a:bodyPr>
+            <a:normAutofit fontScale="90000"/>
+          </a:bodyPr>
+          <a:lstStyle/>
+          <a:p>
+            <a:r>
+              <a:rPr lang="en-US" dirty="0"/>
+              <a:t>Rule 1.9 When you must select a technical name, use one which is short and easy to understand.</a:t>
+            </a:r>
+            <a:endParaRPr lang="de-DE" dirty="0"/>
+          </a:p>
+        </p:txBody>
+      </p:sp>
+      <p:sp>
+        <p:nvSpPr>
+          <p:cNvPr id="3" name="Inhaltsplatzhalter 2">
+            <a:extLst>
+              <a:ext uri="{FF2B5EF4-FFF2-40B4-BE49-F238E27FC236}">
+                <a16:creationId xmlns:a16="http://schemas.microsoft.com/office/drawing/2014/main" id="{89FBE88E-FC59-FC93-24E5-4E2ADC725F8E}"/>
+              </a:ext>
+            </a:extLst>
+          </p:cNvPr>
+          <p:cNvSpPr>
+            <a:spLocks noGrp="1"/>
+          </p:cNvSpPr>
+          <p:nvPr>
+            <p:ph idx="1"/>
+          </p:nvPr>
+        </p:nvSpPr>
+        <p:spPr>
+          <a:xfrm>
+            <a:off x="838200" y="2439785"/>
+            <a:ext cx="10515600" cy="3737178"/>
+          </a:xfrm>
+        </p:spPr>
+        <p:txBody>
+          <a:bodyPr/>
+          <a:lstStyle/>
+          <a:p>
+            <a:pPr marL="0" indent="0">
+              <a:buNone/>
+            </a:pPr>
+            <a:r>
+              <a:rPr lang="en-US" sz="1800" b="0" i="0" u="none" strike="noStrike" baseline="0" dirty="0">
+                <a:solidFill>
+                  <a:srgbClr val="221E1F"/>
+                </a:solidFill>
+                <a:latin typeface="Times" panose="02020603050405020304" pitchFamily="18" charset="0"/>
+              </a:rPr>
+              <a:t>If the engine has been removed because of internal failure, the </a:t>
+            </a:r>
+            <a:r>
+              <a:rPr lang="en-US" sz="1800" b="0" i="0" u="none" strike="noStrike" baseline="0" dirty="0">
+                <a:solidFill>
+                  <a:srgbClr val="221E1F"/>
+                </a:solidFill>
+                <a:highlight>
+                  <a:srgbClr val="FFFF00"/>
+                </a:highlight>
+                <a:latin typeface="Times" panose="02020603050405020304" pitchFamily="18" charset="0"/>
+              </a:rPr>
+              <a:t>oil tank</a:t>
+            </a:r>
+            <a:r>
+              <a:rPr lang="en-US" sz="1800" b="0" i="0" u="none" strike="noStrike" baseline="0" dirty="0">
+                <a:solidFill>
+                  <a:srgbClr val="221E1F"/>
+                </a:solidFill>
+                <a:latin typeface="Times" panose="02020603050405020304" pitchFamily="18" charset="0"/>
+              </a:rPr>
+              <a:t> is generally removed to permit thorough cleaning. </a:t>
+            </a:r>
+            <a:r>
+              <a:rPr lang="en-US" sz="1800" b="0" i="0" u="none" strike="noStrike" baseline="0" dirty="0">
+                <a:solidFill>
+                  <a:srgbClr val="211D1E"/>
+                </a:solidFill>
+                <a:latin typeface="Arial" panose="020B0604020202020204" pitchFamily="34" charset="0"/>
+                <a:cs typeface="Arial" panose="020B0604020202020204" pitchFamily="34" charset="0"/>
+              </a:rPr>
+              <a:t>(S.</a:t>
+            </a:r>
+            <a:r>
+              <a:rPr lang="de-DE" sz="1800" b="0" i="0" u="none" strike="noStrike" baseline="0" dirty="0">
+                <a:solidFill>
+                  <a:srgbClr val="211D1E"/>
+                </a:solidFill>
+                <a:latin typeface="Arial" panose="020B0604020202020204" pitchFamily="34" charset="0"/>
+                <a:cs typeface="Arial" panose="020B0604020202020204" pitchFamily="34" charset="0"/>
+              </a:rPr>
+              <a:t> 8-6)</a:t>
+            </a:r>
+          </a:p>
+        </p:txBody>
+      </p:sp>
+    </p:spTree>
+    <p:extLst>
+      <p:ext uri="{BB962C8B-B14F-4D97-AF65-F5344CB8AC3E}">
+        <p14:creationId xmlns:p14="http://schemas.microsoft.com/office/powerpoint/2010/main" val="1444253024"/>
       </p:ext>
     </p:extLst>
   </p:cSld>
